--- a/ProjectDemo.pptx
+++ b/ProjectDemo.pptx
@@ -5039,7 +5039,7 @@
           <p:nvPr>
             <p:extLst>
               <p:ext uri="{D42A27DB-BD31-4B8C-83A1-F6EECF244321}">
-                <p14:modId xmlns:p14="http://schemas.microsoft.com/office/powerpoint/2010/main" val="2268222002"/>
+                <p14:modId xmlns:p14="http://schemas.microsoft.com/office/powerpoint/2010/main" val="3120936357"/>
               </p:ext>
             </p:extLst>
           </p:nvPr>
@@ -5065,7 +5065,11 @@
                     <a:p>
                       <a:r>
                         <a:rPr lang="en-US" sz="1400" dirty="0" err="1" smtClean="0"/>
-                        <a:t>CarsForSale</a:t>
+                        <a:t>C</a:t>
+                      </a:r>
+                      <a:r>
+                        <a:rPr lang="en-US" sz="1400" smtClean="0"/>
+                        <a:t>arsForSale</a:t>
                       </a:r>
                       <a:endParaRPr lang="en-US" sz="1400" dirty="0"/>
                     </a:p>

--- a/ProjectDemo.pptx
+++ b/ProjectDemo.pptx
@@ -579,7 +579,7 @@
             <a:fld id="{7D0065BE-0657-4A47-90AD-C21C55E16B19}" type="datetime4">
               <a:rPr lang="en-US" smtClean="0"/>
               <a:pPr/>
-              <a:t>April 24, 2016</a:t>
+              <a:t>April 25, 2016</a:t>
             </a:fld>
             <a:endParaRPr lang="en-US"/>
           </a:p>
@@ -746,7 +746,7 @@
             <a:fld id="{A16C3AA4-67BE-44F7-809A-3582401494AF}" type="datetime4">
               <a:rPr lang="en-US" smtClean="0"/>
               <a:pPr/>
-              <a:t>April 24, 2016</a:t>
+              <a:t>April 25, 2016</a:t>
             </a:fld>
             <a:endParaRPr lang="en-US"/>
           </a:p>
@@ -923,7 +923,7 @@
             <a:fld id="{25172EEB-1769-4776-AD69-E7C1260563EB}" type="datetime4">
               <a:rPr lang="en-US" smtClean="0"/>
               <a:pPr/>
-              <a:t>April 24, 2016</a:t>
+              <a:t>April 25, 2016</a:t>
             </a:fld>
             <a:endParaRPr lang="en-US"/>
           </a:p>
@@ -1090,7 +1090,7 @@
             <a:fld id="{D47BB8AF-C16A-4836-A92D-61834B5F0BA5}" type="datetime4">
               <a:rPr lang="en-US" smtClean="0"/>
               <a:pPr/>
-              <a:t>April 24, 2016</a:t>
+              <a:t>April 25, 2016</a:t>
             </a:fld>
             <a:endParaRPr lang="en-US"/>
           </a:p>
@@ -1645,7 +1645,7 @@
             <a:fld id="{647D2193-4505-4A75-99BB-880C6989A757}" type="datetime4">
               <a:rPr lang="en-US" smtClean="0"/>
               <a:pPr/>
-              <a:t>April 24, 2016</a:t>
+              <a:t>April 25, 2016</a:t>
             </a:fld>
             <a:endParaRPr lang="en-US"/>
           </a:p>
@@ -1907,7 +1907,7 @@
             <a:fld id="{113A18F4-33C3-445B-924C-31108C51719C}" type="datetime4">
               <a:rPr lang="en-US" smtClean="0"/>
               <a:pPr/>
-              <a:t>April 24, 2016</a:t>
+              <a:t>April 25, 2016</a:t>
             </a:fld>
             <a:endParaRPr lang="en-US"/>
           </a:p>
@@ -2397,7 +2397,7 @@
             <a:fld id="{3AF7543A-E259-478F-9E0D-57BA40E442B7}" type="datetime4">
               <a:rPr lang="en-US" smtClean="0"/>
               <a:pPr/>
-              <a:t>April 24, 2016</a:t>
+              <a:t>April 25, 2016</a:t>
             </a:fld>
             <a:endParaRPr lang="en-US"/>
           </a:p>
@@ -2512,7 +2512,7 @@
             <a:fld id="{1EFB012D-77A1-44B0-BB26-329BA1EE55C9}" type="datetime4">
               <a:rPr lang="en-US" smtClean="0"/>
               <a:pPr/>
-              <a:t>April 24, 2016</a:t>
+              <a:t>April 25, 2016</a:t>
             </a:fld>
             <a:endParaRPr lang="en-US"/>
           </a:p>
@@ -2604,7 +2604,7 @@
             <a:fld id="{94B7499E-3031-413E-B01E-B94970708CAA}" type="datetime4">
               <a:rPr lang="en-US" smtClean="0"/>
               <a:pPr/>
-              <a:t>April 24, 2016</a:t>
+              <a:t>April 25, 2016</a:t>
             </a:fld>
             <a:endParaRPr lang="en-US"/>
           </a:p>
@@ -3036,7 +3036,7 @@
             <a:fld id="{DC7EAB0C-2220-4D0E-A0DD-DB7FA0F742F4}" type="datetime4">
               <a:rPr lang="en-US" smtClean="0"/>
               <a:pPr/>
-              <a:t>April 24, 2016</a:t>
+              <a:t>April 25, 2016</a:t>
             </a:fld>
             <a:endParaRPr lang="en-US"/>
           </a:p>
@@ -3571,7 +3571,7 @@
             <a:fld id="{E3416D63-31BF-4B94-B6C5-E20B2C63F515}" type="datetime4">
               <a:rPr lang="en-US" smtClean="0"/>
               <a:pPr/>
-              <a:t>April 24, 2016</a:t>
+              <a:t>April 25, 2016</a:t>
             </a:fld>
             <a:endParaRPr lang="en-US"/>
           </a:p>
@@ -4413,7 +4413,7 @@
             <a:fld id="{62B1B13E-D5AF-485E-81A1-82A140076526}" type="datetime4">
               <a:rPr lang="en-US" smtClean="0"/>
               <a:pPr/>
-              <a:t>April 24, 2016</a:t>
+              <a:t>April 25, 2016</a:t>
             </a:fld>
             <a:endParaRPr lang="en-US" dirty="0"/>
           </a:p>
@@ -5312,7 +5312,20 @@
               <a:rPr lang="en-US" sz="1800" dirty="0" smtClean="0"/>
               <a:t>Sold (Boolean type)</a:t>
             </a:r>
-            <a:endParaRPr lang="en-US" sz="1800" dirty="0"/>
+          </a:p>
+          <a:p>
+            <a:pPr lvl="2">
+              <a:buFont typeface="Arial"/>
+              <a:buChar char="•"/>
+            </a:pPr>
+            <a:r>
+              <a:rPr lang="en-US" sz="1800" dirty="0" smtClean="0"/>
+              <a:t>Format the output such that it is more </a:t>
+            </a:r>
+            <a:r>
+              <a:rPr lang="en-US" sz="1800" dirty="0" smtClean="0"/>
+              <a:t>handsome</a:t>
+            </a:r>
           </a:p>
         </p:txBody>
       </p:sp>
